--- a/Intro to VR 3 - Import Models.pptx
+++ b/Intro to VR 3 - Import Models.pptx
@@ -9,7 +9,6 @@
     <p:sldId id="270" r:id="rId3"/>
     <p:sldId id="268" r:id="rId4"/>
     <p:sldId id="269" r:id="rId5"/>
-    <p:sldId id="271" r:id="rId6"/>
   </p:sldIdLst>
   <p:sldSz cx="12192000" cy="6858000"/>
   <p:notesSz cx="6858000" cy="9144000"/>
@@ -108,6 +107,11 @@
       </a:defRPr>
     </a:lvl9pPr>
   </p:defaultTextStyle>
+  <p:extLst>
+    <p:ext uri="{EFAFB233-063F-42B5-8137-9DF3F51BA10A}">
+      <p15:sldGuideLst xmlns:p15="http://schemas.microsoft.com/office/powerpoint/2012/main"/>
+    </p:ext>
+  </p:extLst>
 </p:presentation>
 </file>
 
@@ -337,7 +341,7 @@
           <a:p>
             <a:fld id="{2613C7C5-60D5-4A05-AD5C-79CC3C322401}" type="datetimeFigureOut">
               <a:rPr lang="en-US" smtClean="0"/>
-              <a:t>2/11/2019</a:t>
+              <a:t>2/18/2019</a:t>
             </a:fld>
             <a:endParaRPr lang="en-US"/>
           </a:p>
@@ -545,7 +549,7 @@
           <a:p>
             <a:fld id="{2613C7C5-60D5-4A05-AD5C-79CC3C322401}" type="datetimeFigureOut">
               <a:rPr lang="en-US" smtClean="0"/>
-              <a:t>2/11/2019</a:t>
+              <a:t>2/18/2019</a:t>
             </a:fld>
             <a:endParaRPr lang="en-US"/>
           </a:p>
@@ -801,7 +805,7 @@
           <a:p>
             <a:fld id="{2613C7C5-60D5-4A05-AD5C-79CC3C322401}" type="datetimeFigureOut">
               <a:rPr lang="en-US" smtClean="0"/>
-              <a:t>2/11/2019</a:t>
+              <a:t>2/18/2019</a:t>
             </a:fld>
             <a:endParaRPr lang="en-US"/>
           </a:p>
@@ -975,7 +979,7 @@
           <a:p>
             <a:fld id="{2613C7C5-60D5-4A05-AD5C-79CC3C322401}" type="datetimeFigureOut">
               <a:rPr lang="en-US" smtClean="0"/>
-              <a:t>2/11/2019</a:t>
+              <a:t>2/18/2019</a:t>
             </a:fld>
             <a:endParaRPr lang="en-US"/>
           </a:p>
@@ -1318,7 +1322,7 @@
           <a:p>
             <a:fld id="{2613C7C5-60D5-4A05-AD5C-79CC3C322401}" type="datetimeFigureOut">
               <a:rPr lang="en-US" smtClean="0"/>
-              <a:t>2/11/2019</a:t>
+              <a:t>2/18/2019</a:t>
             </a:fld>
             <a:endParaRPr lang="en-US"/>
           </a:p>
@@ -1593,7 +1597,7 @@
           <a:p>
             <a:fld id="{2613C7C5-60D5-4A05-AD5C-79CC3C322401}" type="datetimeFigureOut">
               <a:rPr lang="en-US" smtClean="0"/>
-              <a:t>2/11/2019</a:t>
+              <a:t>2/18/2019</a:t>
             </a:fld>
             <a:endParaRPr lang="en-US"/>
           </a:p>
@@ -1972,7 +1976,7 @@
           <a:p>
             <a:fld id="{2613C7C5-60D5-4A05-AD5C-79CC3C322401}" type="datetimeFigureOut">
               <a:rPr lang="en-US" smtClean="0"/>
-              <a:t>2/11/2019</a:t>
+              <a:t>2/18/2019</a:t>
             </a:fld>
             <a:endParaRPr lang="en-US"/>
           </a:p>
@@ -2090,7 +2094,7 @@
           <a:p>
             <a:fld id="{2613C7C5-60D5-4A05-AD5C-79CC3C322401}" type="datetimeFigureOut">
               <a:rPr lang="en-US" smtClean="0"/>
-              <a:t>2/11/2019</a:t>
+              <a:t>2/18/2019</a:t>
             </a:fld>
             <a:endParaRPr lang="en-US"/>
           </a:p>
@@ -2261,7 +2265,7 @@
           <a:p>
             <a:fld id="{2613C7C5-60D5-4A05-AD5C-79CC3C322401}" type="datetimeFigureOut">
               <a:rPr lang="en-US" smtClean="0"/>
-              <a:t>2/11/2019</a:t>
+              <a:t>2/18/2019</a:t>
             </a:fld>
             <a:endParaRPr lang="en-US"/>
           </a:p>
@@ -2615,7 +2619,7 @@
           <a:p>
             <a:fld id="{2613C7C5-60D5-4A05-AD5C-79CC3C322401}" type="datetimeFigureOut">
               <a:rPr lang="en-US" smtClean="0"/>
-              <a:t>2/11/2019</a:t>
+              <a:t>2/18/2019</a:t>
             </a:fld>
             <a:endParaRPr lang="en-US"/>
           </a:p>
@@ -2997,7 +3001,7 @@
           <a:p>
             <a:fld id="{2613C7C5-60D5-4A05-AD5C-79CC3C322401}" type="datetimeFigureOut">
               <a:rPr lang="en-US" smtClean="0"/>
-              <a:t>2/11/2019</a:t>
+              <a:t>2/18/2019</a:t>
             </a:fld>
             <a:endParaRPr lang="en-US"/>
           </a:p>
@@ -3284,7 +3288,7 @@
           <a:p>
             <a:fld id="{2613C7C5-60D5-4A05-AD5C-79CC3C322401}" type="datetimeFigureOut">
               <a:rPr lang="en-US" smtClean="0"/>
-              <a:t>2/11/2019</a:t>
+              <a:t>2/18/2019</a:t>
             </a:fld>
             <a:endParaRPr lang="en-US"/>
           </a:p>
@@ -4817,121 +4821,6 @@
 </p:sld>
 </file>
 
-<file path=ppt/slides/slide5.xml><?xml version="1.0" encoding="utf-8"?>
-<p:sld xmlns:a="http://schemas.openxmlformats.org/drawingml/2006/main" xmlns:r="http://schemas.openxmlformats.org/officeDocument/2006/relationships" xmlns:p="http://schemas.openxmlformats.org/presentationml/2006/main">
-  <p:cSld>
-    <p:spTree>
-      <p:nvGrpSpPr>
-        <p:cNvPr id="1" name=""/>
-        <p:cNvGrpSpPr/>
-        <p:nvPr/>
-      </p:nvGrpSpPr>
-      <p:grpSpPr>
-        <a:xfrm>
-          <a:off x="0" y="0"/>
-          <a:ext cx="0" cy="0"/>
-          <a:chOff x="0" y="0"/>
-          <a:chExt cx="0" cy="0"/>
-        </a:xfrm>
-      </p:grpSpPr>
-      <p:sp>
-        <p:nvSpPr>
-          <p:cNvPr id="2" name="Title 1">
-            <a:extLst>
-              <a:ext uri="{FF2B5EF4-FFF2-40B4-BE49-F238E27FC236}">
-                <a16:creationId xmlns:a16="http://schemas.microsoft.com/office/drawing/2014/main" id="{E8F1C57B-7127-4CE9-9C7D-7921E00E90D6}"/>
-              </a:ext>
-            </a:extLst>
-          </p:cNvPr>
-          <p:cNvSpPr>
-            <a:spLocks noGrp="1"/>
-          </p:cNvSpPr>
-          <p:nvPr>
-            <p:ph type="title"/>
-          </p:nvPr>
-        </p:nvSpPr>
-        <p:spPr/>
-        <p:txBody>
-          <a:bodyPr/>
-          <a:lstStyle/>
-          <a:p>
-            <a:r>
-              <a:rPr lang="en-US" dirty="0"/>
-              <a:t>Add some extra cubes</a:t>
-            </a:r>
-          </a:p>
-        </p:txBody>
-      </p:sp>
-      <p:sp>
-        <p:nvSpPr>
-          <p:cNvPr id="3" name="Content Placeholder 2">
-            <a:extLst>
-              <a:ext uri="{FF2B5EF4-FFF2-40B4-BE49-F238E27FC236}">
-                <a16:creationId xmlns:a16="http://schemas.microsoft.com/office/drawing/2014/main" id="{26651B0B-6388-4349-8437-45749B7DB8A1}"/>
-              </a:ext>
-            </a:extLst>
-          </p:cNvPr>
-          <p:cNvSpPr>
-            <a:spLocks noGrp="1"/>
-          </p:cNvSpPr>
-          <p:nvPr>
-            <p:ph idx="1"/>
-          </p:nvPr>
-        </p:nvSpPr>
-        <p:spPr>
-          <a:xfrm>
-            <a:off x="1097280" y="1845734"/>
-            <a:ext cx="10058400" cy="1130930"/>
-          </a:xfrm>
-        </p:spPr>
-        <p:txBody>
-          <a:bodyPr/>
-          <a:lstStyle/>
-          <a:p>
-            <a:pPr>
-              <a:buFont typeface="Arial" panose="020B0604020202020204" pitchFamily="34" charset="0"/>
-              <a:buChar char="•"/>
-            </a:pPr>
-            <a:r>
-              <a:rPr lang="en-US" dirty="0"/>
-              <a:t> Place a few cubes on the map</a:t>
-            </a:r>
-          </a:p>
-          <a:p>
-            <a:pPr>
-              <a:buFont typeface="Arial" panose="020B0604020202020204" pitchFamily="34" charset="0"/>
-              <a:buChar char="•"/>
-            </a:pPr>
-            <a:r>
-              <a:rPr lang="en-US" dirty="0"/>
-              <a:t> Give them a rigid body like the sphere</a:t>
-            </a:r>
-          </a:p>
-          <a:p>
-            <a:pPr lvl="1">
-              <a:buFont typeface="Arial" panose="020B0604020202020204" pitchFamily="34" charset="0"/>
-              <a:buChar char="•"/>
-            </a:pPr>
-            <a:r>
-              <a:rPr lang="en-US" dirty="0"/>
-              <a:t>We will return to these in a later tutorial</a:t>
-            </a:r>
-          </a:p>
-        </p:txBody>
-      </p:sp>
-    </p:spTree>
-    <p:extLst>
-      <p:ext uri="{BB962C8B-B14F-4D97-AF65-F5344CB8AC3E}">
-        <p14:creationId xmlns:p14="http://schemas.microsoft.com/office/powerpoint/2010/main" val="4202977485"/>
-      </p:ext>
-    </p:extLst>
-  </p:cSld>
-  <p:clrMapOvr>
-    <a:masterClrMapping/>
-  </p:clrMapOvr>
-</p:sld>
-</file>
-
 <file path=ppt/theme/theme1.xml><?xml version="1.0" encoding="utf-8"?>
 <a:theme xmlns:a="http://schemas.openxmlformats.org/drawingml/2006/main" name="Retrospect">
   <a:themeElements>

--- a/Intro to VR 3 - Import Models.pptx
+++ b/Intro to VR 3 - Import Models.pptx
@@ -6,9 +6,10 @@
   </p:sldMasterIdLst>
   <p:sldIdLst>
     <p:sldId id="256" r:id="rId2"/>
-    <p:sldId id="270" r:id="rId3"/>
-    <p:sldId id="268" r:id="rId4"/>
-    <p:sldId id="269" r:id="rId5"/>
+    <p:sldId id="272" r:id="rId3"/>
+    <p:sldId id="271" r:id="rId4"/>
+    <p:sldId id="268" r:id="rId5"/>
+    <p:sldId id="269" r:id="rId6"/>
   </p:sldIdLst>
   <p:sldSz cx="12192000" cy="6858000"/>
   <p:notesSz cx="6858000" cy="9144000"/>
@@ -341,7 +342,7 @@
           <a:p>
             <a:fld id="{2613C7C5-60D5-4A05-AD5C-79CC3C322401}" type="datetimeFigureOut">
               <a:rPr lang="en-US" smtClean="0"/>
-              <a:t>2/18/2019</a:t>
+              <a:t>4/2/2019</a:t>
             </a:fld>
             <a:endParaRPr lang="en-US"/>
           </a:p>
@@ -549,7 +550,7 @@
           <a:p>
             <a:fld id="{2613C7C5-60D5-4A05-AD5C-79CC3C322401}" type="datetimeFigureOut">
               <a:rPr lang="en-US" smtClean="0"/>
-              <a:t>2/18/2019</a:t>
+              <a:t>4/2/2019</a:t>
             </a:fld>
             <a:endParaRPr lang="en-US"/>
           </a:p>
@@ -805,7 +806,7 @@
           <a:p>
             <a:fld id="{2613C7C5-60D5-4A05-AD5C-79CC3C322401}" type="datetimeFigureOut">
               <a:rPr lang="en-US" smtClean="0"/>
-              <a:t>2/18/2019</a:t>
+              <a:t>4/2/2019</a:t>
             </a:fld>
             <a:endParaRPr lang="en-US"/>
           </a:p>
@@ -979,7 +980,7 @@
           <a:p>
             <a:fld id="{2613C7C5-60D5-4A05-AD5C-79CC3C322401}" type="datetimeFigureOut">
               <a:rPr lang="en-US" smtClean="0"/>
-              <a:t>2/18/2019</a:t>
+              <a:t>4/2/2019</a:t>
             </a:fld>
             <a:endParaRPr lang="en-US"/>
           </a:p>
@@ -1322,7 +1323,7 @@
           <a:p>
             <a:fld id="{2613C7C5-60D5-4A05-AD5C-79CC3C322401}" type="datetimeFigureOut">
               <a:rPr lang="en-US" smtClean="0"/>
-              <a:t>2/18/2019</a:t>
+              <a:t>4/2/2019</a:t>
             </a:fld>
             <a:endParaRPr lang="en-US"/>
           </a:p>
@@ -1597,7 +1598,7 @@
           <a:p>
             <a:fld id="{2613C7C5-60D5-4A05-AD5C-79CC3C322401}" type="datetimeFigureOut">
               <a:rPr lang="en-US" smtClean="0"/>
-              <a:t>2/18/2019</a:t>
+              <a:t>4/2/2019</a:t>
             </a:fld>
             <a:endParaRPr lang="en-US"/>
           </a:p>
@@ -1976,7 +1977,7 @@
           <a:p>
             <a:fld id="{2613C7C5-60D5-4A05-AD5C-79CC3C322401}" type="datetimeFigureOut">
               <a:rPr lang="en-US" smtClean="0"/>
-              <a:t>2/18/2019</a:t>
+              <a:t>4/2/2019</a:t>
             </a:fld>
             <a:endParaRPr lang="en-US"/>
           </a:p>
@@ -2094,7 +2095,7 @@
           <a:p>
             <a:fld id="{2613C7C5-60D5-4A05-AD5C-79CC3C322401}" type="datetimeFigureOut">
               <a:rPr lang="en-US" smtClean="0"/>
-              <a:t>2/18/2019</a:t>
+              <a:t>4/2/2019</a:t>
             </a:fld>
             <a:endParaRPr lang="en-US"/>
           </a:p>
@@ -2265,7 +2266,7 @@
           <a:p>
             <a:fld id="{2613C7C5-60D5-4A05-AD5C-79CC3C322401}" type="datetimeFigureOut">
               <a:rPr lang="en-US" smtClean="0"/>
-              <a:t>2/18/2019</a:t>
+              <a:t>4/2/2019</a:t>
             </a:fld>
             <a:endParaRPr lang="en-US"/>
           </a:p>
@@ -2619,7 +2620,7 @@
           <a:p>
             <a:fld id="{2613C7C5-60D5-4A05-AD5C-79CC3C322401}" type="datetimeFigureOut">
               <a:rPr lang="en-US" smtClean="0"/>
-              <a:t>2/18/2019</a:t>
+              <a:t>4/2/2019</a:t>
             </a:fld>
             <a:endParaRPr lang="en-US"/>
           </a:p>
@@ -3001,7 +3002,7 @@
           <a:p>
             <a:fld id="{2613C7C5-60D5-4A05-AD5C-79CC3C322401}" type="datetimeFigureOut">
               <a:rPr lang="en-US" smtClean="0"/>
-              <a:t>2/18/2019</a:t>
+              <a:t>4/2/2019</a:t>
             </a:fld>
             <a:endParaRPr lang="en-US"/>
           </a:p>
@@ -3288,7 +3289,7 @@
           <a:p>
             <a:fld id="{2613C7C5-60D5-4A05-AD5C-79CC3C322401}" type="datetimeFigureOut">
               <a:rPr lang="en-US" smtClean="0"/>
-              <a:t>2/18/2019</a:t>
+              <a:t>4/2/2019</a:t>
             </a:fld>
             <a:endParaRPr lang="en-US"/>
           </a:p>
@@ -4179,7 +4180,7 @@
           <p:cNvPr id="2" name="Title 1">
             <a:extLst>
               <a:ext uri="{FF2B5EF4-FFF2-40B4-BE49-F238E27FC236}">
-                <a16:creationId xmlns:a16="http://schemas.microsoft.com/office/drawing/2014/main" id="{E65D687E-5F41-4D3E-960F-3CD94307F326}"/>
+                <a16:creationId xmlns:a16="http://schemas.microsoft.com/office/drawing/2014/main" id="{8496FC56-551C-4DD9-AD23-7D7F3DE3A216}"/>
               </a:ext>
             </a:extLst>
           </p:cNvPr>
@@ -4197,7 +4198,7 @@
           <a:p>
             <a:r>
               <a:rPr lang="en-US" dirty="0"/>
-              <a:t>Standard Assets</a:t>
+              <a:t>Assets and Packages</a:t>
             </a:r>
           </a:p>
         </p:txBody>
@@ -4207,7 +4208,7 @@
           <p:cNvPr id="3" name="Content Placeholder 2">
             <a:extLst>
               <a:ext uri="{FF2B5EF4-FFF2-40B4-BE49-F238E27FC236}">
-                <a16:creationId xmlns:a16="http://schemas.microsoft.com/office/drawing/2014/main" id="{B3865A08-BA9D-45CE-8643-CA4592F099F6}"/>
+                <a16:creationId xmlns:a16="http://schemas.microsoft.com/office/drawing/2014/main" id="{82B49A2A-B6D7-49A2-BEEE-BD4DC14A27CB}"/>
               </a:ext>
             </a:extLst>
           </p:cNvPr>
@@ -4229,15 +4230,70 @@
             </a:pPr>
             <a:r>
               <a:rPr lang="en-US" dirty="0"/>
-              <a:t> If you haven’t already, make sure to import the remaining standard assets</a:t>
-            </a:r>
+              <a:t> This tutorial will be a general overview on how to use the assets and packages that we have already imported into the project. This includes</a:t>
+            </a:r>
+          </a:p>
+          <a:p>
+            <a:pPr lvl="1">
+              <a:buFont typeface="Arial" panose="020B0604020202020204" pitchFamily="34" charset="0"/>
+              <a:buChar char="•"/>
+            </a:pPr>
+            <a:r>
+              <a:rPr lang="en-US" dirty="0"/>
+              <a:t>Standard Asset imports</a:t>
+            </a:r>
+          </a:p>
+          <a:p>
+            <a:pPr lvl="1">
+              <a:buFont typeface="Arial" panose="020B0604020202020204" pitchFamily="34" charset="0"/>
+              <a:buChar char="•"/>
+            </a:pPr>
+            <a:r>
+              <a:rPr lang="en-US" dirty="0"/>
+              <a:t>Game Objects</a:t>
+            </a:r>
+          </a:p>
+          <a:p>
+            <a:pPr lvl="1">
+              <a:buFont typeface="Arial" panose="020B0604020202020204" pitchFamily="34" charset="0"/>
+              <a:buChar char="•"/>
+            </a:pPr>
+            <a:r>
+              <a:rPr lang="en-US" dirty="0"/>
+              <a:t>Physics</a:t>
+            </a:r>
+          </a:p>
+          <a:p>
+            <a:pPr>
+              <a:buFont typeface="Arial" panose="020B0604020202020204" pitchFamily="34" charset="0"/>
+              <a:buChar char="•"/>
+            </a:pPr>
+            <a:r>
+              <a:rPr lang="en-US" dirty="0"/>
+              <a:t>  If you haven’t already, make sure to import the remaining standard assets</a:t>
+            </a:r>
+          </a:p>
+          <a:p>
+            <a:pPr>
+              <a:buFont typeface="Arial" panose="020B0604020202020204" pitchFamily="34" charset="0"/>
+              <a:buChar char="•"/>
+            </a:pPr>
+            <a:r>
+              <a:rPr lang="en-US" dirty="0"/>
+              <a:t> Some of what will be covered involves physics objects, but these will be utilized better once we cover navigation and interactions in </a:t>
+            </a:r>
+            <a:r>
+              <a:rPr lang="en-US"/>
+              <a:t>later tutorials</a:t>
+            </a:r>
+            <a:endParaRPr lang="en-US" dirty="0"/>
           </a:p>
         </p:txBody>
       </p:sp>
     </p:spTree>
     <p:extLst>
       <p:ext uri="{BB962C8B-B14F-4D97-AF65-F5344CB8AC3E}">
-        <p14:creationId xmlns:p14="http://schemas.microsoft.com/office/powerpoint/2010/main" val="597255584"/>
+        <p14:creationId xmlns:p14="http://schemas.microsoft.com/office/powerpoint/2010/main" val="1901762697"/>
       </p:ext>
     </p:extLst>
   </p:cSld>
@@ -4248,6 +4304,265 @@
 </file>
 
 <file path=ppt/slides/slide3.xml><?xml version="1.0" encoding="utf-8"?>
+<p:sld xmlns:a="http://schemas.openxmlformats.org/drawingml/2006/main" xmlns:r="http://schemas.openxmlformats.org/officeDocument/2006/relationships" xmlns:p="http://schemas.openxmlformats.org/presentationml/2006/main">
+  <p:cSld>
+    <p:spTree>
+      <p:nvGrpSpPr>
+        <p:cNvPr id="1" name=""/>
+        <p:cNvGrpSpPr/>
+        <p:nvPr/>
+      </p:nvGrpSpPr>
+      <p:grpSpPr>
+        <a:xfrm>
+          <a:off x="0" y="0"/>
+          <a:ext cx="0" cy="0"/>
+          <a:chOff x="0" y="0"/>
+          <a:chExt cx="0" cy="0"/>
+        </a:xfrm>
+      </p:grpSpPr>
+      <p:sp>
+        <p:nvSpPr>
+          <p:cNvPr id="2" name="Title 1">
+            <a:extLst>
+              <a:ext uri="{FF2B5EF4-FFF2-40B4-BE49-F238E27FC236}">
+                <a16:creationId xmlns:a16="http://schemas.microsoft.com/office/drawing/2014/main" id="{2DC3C71A-90FD-44A4-A565-76E23DFAFA0E}"/>
+              </a:ext>
+            </a:extLst>
+          </p:cNvPr>
+          <p:cNvSpPr>
+            <a:spLocks noGrp="1"/>
+          </p:cNvSpPr>
+          <p:nvPr>
+            <p:ph type="title"/>
+          </p:nvPr>
+        </p:nvSpPr>
+        <p:spPr/>
+        <p:txBody>
+          <a:bodyPr/>
+          <a:lstStyle/>
+          <a:p>
+            <a:r>
+              <a:rPr lang="en-US" dirty="0"/>
+              <a:t>Custom Assets?</a:t>
+            </a:r>
+          </a:p>
+        </p:txBody>
+      </p:sp>
+      <p:sp>
+        <p:nvSpPr>
+          <p:cNvPr id="3" name="Content Placeholder 2">
+            <a:extLst>
+              <a:ext uri="{FF2B5EF4-FFF2-40B4-BE49-F238E27FC236}">
+                <a16:creationId xmlns:a16="http://schemas.microsoft.com/office/drawing/2014/main" id="{C596E86E-C91E-4DF2-AB8D-51CFD247B419}"/>
+              </a:ext>
+            </a:extLst>
+          </p:cNvPr>
+          <p:cNvSpPr>
+            <a:spLocks noGrp="1"/>
+          </p:cNvSpPr>
+          <p:nvPr>
+            <p:ph idx="1"/>
+          </p:nvPr>
+        </p:nvSpPr>
+        <p:spPr>
+          <a:xfrm>
+            <a:off x="1097280" y="1845734"/>
+            <a:ext cx="10058400" cy="4023360"/>
+          </a:xfrm>
+        </p:spPr>
+        <p:txBody>
+          <a:bodyPr/>
+          <a:lstStyle/>
+          <a:p>
+            <a:pPr>
+              <a:buFont typeface="Arial" panose="020B0604020202020204" pitchFamily="34" charset="0"/>
+              <a:buChar char="•"/>
+            </a:pPr>
+            <a:r>
+              <a:rPr lang="en-US" dirty="0"/>
+              <a:t> This tutorial will not be covering how to create your own custom assets. If you are looking for how to create 3D Models, there is a plethora of tutorials available online. Below are a few links to get started:</a:t>
+            </a:r>
+          </a:p>
+          <a:p>
+            <a:pPr>
+              <a:buFont typeface="Arial" panose="020B0604020202020204" pitchFamily="34" charset="0"/>
+              <a:buChar char="•"/>
+            </a:pPr>
+            <a:r>
+              <a:rPr lang="en-US" dirty="0"/>
+              <a:t> Software:</a:t>
+            </a:r>
+          </a:p>
+          <a:p>
+            <a:pPr lvl="1">
+              <a:buFont typeface="Arial" panose="020B0604020202020204" pitchFamily="34" charset="0"/>
+              <a:buChar char="•"/>
+            </a:pPr>
+            <a:r>
+              <a:rPr lang="en-US" dirty="0">
+                <a:hlinkClick r:id="rId2"/>
+              </a:rPr>
+              <a:t>Blender: Free 3d Modeling Tool</a:t>
+            </a:r>
+            <a:endParaRPr lang="en-US" dirty="0"/>
+          </a:p>
+          <a:p>
+            <a:pPr lvl="1">
+              <a:buFont typeface="Arial" panose="020B0604020202020204" pitchFamily="34" charset="0"/>
+              <a:buChar char="•"/>
+            </a:pPr>
+            <a:r>
+              <a:rPr lang="en-US" dirty="0">
+                <a:hlinkClick r:id="rId3"/>
+              </a:rPr>
+              <a:t>3DSMax: Paid 3D Modeling Tool</a:t>
+            </a:r>
+            <a:endParaRPr lang="en-US" dirty="0"/>
+          </a:p>
+          <a:p>
+            <a:pPr>
+              <a:buFont typeface="Arial" panose="020B0604020202020204" pitchFamily="34" charset="0"/>
+              <a:buChar char="•"/>
+            </a:pPr>
+            <a:r>
+              <a:rPr lang="en-US" dirty="0"/>
+              <a:t> Example Tutorials: </a:t>
+            </a:r>
+          </a:p>
+          <a:p>
+            <a:pPr lvl="1">
+              <a:buFont typeface="Arial" panose="020B0604020202020204" pitchFamily="34" charset="0"/>
+              <a:buChar char="•"/>
+            </a:pPr>
+            <a:r>
+              <a:rPr lang="en-US" dirty="0">
+                <a:hlinkClick r:id="rId4"/>
+              </a:rPr>
+              <a:t>Character Modeling</a:t>
+            </a:r>
+            <a:endParaRPr lang="en-US" dirty="0"/>
+          </a:p>
+          <a:p>
+            <a:pPr lvl="1">
+              <a:buFont typeface="Arial" panose="020B0604020202020204" pitchFamily="34" charset="0"/>
+              <a:buChar char="•"/>
+            </a:pPr>
+            <a:r>
+              <a:rPr lang="en-US" dirty="0">
+                <a:hlinkClick r:id="rId5"/>
+              </a:rPr>
+              <a:t>Building Modeling</a:t>
+            </a:r>
+            <a:endParaRPr lang="en-US" dirty="0"/>
+          </a:p>
+        </p:txBody>
+      </p:sp>
+      <p:pic>
+        <p:nvPicPr>
+          <p:cNvPr id="1026" name="Picture 2" descr="Image result for BLender logo">
+            <a:extLst>
+              <a:ext uri="{FF2B5EF4-FFF2-40B4-BE49-F238E27FC236}">
+                <a16:creationId xmlns:a16="http://schemas.microsoft.com/office/drawing/2014/main" id="{052CE960-71AC-443F-88EB-DE8EA38FD99B}"/>
+              </a:ext>
+            </a:extLst>
+          </p:cNvPr>
+          <p:cNvPicPr>
+            <a:picLocks noChangeAspect="1" noChangeArrowheads="1"/>
+          </p:cNvPicPr>
+          <p:nvPr/>
+        </p:nvPicPr>
+        <p:blipFill>
+          <a:blip r:embed="rId6">
+            <a:extLst>
+              <a:ext uri="{28A0092B-C50C-407E-A947-70E740481C1C}">
+                <a14:useLocalDpi xmlns:a14="http://schemas.microsoft.com/office/drawing/2010/main" val="0"/>
+              </a:ext>
+            </a:extLst>
+          </a:blip>
+          <a:srcRect/>
+          <a:stretch>
+            <a:fillRect/>
+          </a:stretch>
+        </p:blipFill>
+        <p:spPr bwMode="auto">
+          <a:xfrm>
+            <a:off x="6096000" y="2577430"/>
+            <a:ext cx="4765040" cy="1279984"/>
+          </a:xfrm>
+          <a:prstGeom prst="rect">
+            <a:avLst/>
+          </a:prstGeom>
+          <a:noFill/>
+          <a:extLst>
+            <a:ext uri="{909E8E84-426E-40DD-AFC4-6F175D3DCCD1}">
+              <a14:hiddenFill xmlns:a14="http://schemas.microsoft.com/office/drawing/2010/main">
+                <a:solidFill>
+                  <a:srgbClr val="FFFFFF"/>
+                </a:solidFill>
+              </a14:hiddenFill>
+            </a:ext>
+          </a:extLst>
+        </p:spPr>
+      </p:pic>
+      <p:pic>
+        <p:nvPicPr>
+          <p:cNvPr id="1032" name="Picture 8" descr="Image result for 3ds max logo">
+            <a:extLst>
+              <a:ext uri="{FF2B5EF4-FFF2-40B4-BE49-F238E27FC236}">
+                <a16:creationId xmlns:a16="http://schemas.microsoft.com/office/drawing/2014/main" id="{21CD1D7D-C5D1-4317-92D4-20116F3CF17B}"/>
+              </a:ext>
+            </a:extLst>
+          </p:cNvPr>
+          <p:cNvPicPr>
+            <a:picLocks noChangeAspect="1" noChangeArrowheads="1"/>
+          </p:cNvPicPr>
+          <p:nvPr/>
+        </p:nvPicPr>
+        <p:blipFill rotWithShape="1">
+          <a:blip r:embed="rId7">
+            <a:extLst>
+              <a:ext uri="{28A0092B-C50C-407E-A947-70E740481C1C}">
+                <a14:useLocalDpi xmlns:a14="http://schemas.microsoft.com/office/drawing/2010/main" val="0"/>
+              </a:ext>
+            </a:extLst>
+          </a:blip>
+          <a:srcRect t="35478" b="33940"/>
+          <a:stretch/>
+        </p:blipFill>
+        <p:spPr bwMode="auto">
+          <a:xfrm>
+            <a:off x="5964872" y="4055534"/>
+            <a:ext cx="5282248" cy="1615440"/>
+          </a:xfrm>
+          <a:prstGeom prst="rect">
+            <a:avLst/>
+          </a:prstGeom>
+          <a:noFill/>
+          <a:extLst>
+            <a:ext uri="{909E8E84-426E-40DD-AFC4-6F175D3DCCD1}">
+              <a14:hiddenFill xmlns:a14="http://schemas.microsoft.com/office/drawing/2010/main">
+                <a:solidFill>
+                  <a:srgbClr val="FFFFFF"/>
+                </a:solidFill>
+              </a14:hiddenFill>
+            </a:ext>
+          </a:extLst>
+        </p:spPr>
+      </p:pic>
+    </p:spTree>
+    <p:extLst>
+      <p:ext uri="{BB962C8B-B14F-4D97-AF65-F5344CB8AC3E}">
+        <p14:creationId xmlns:p14="http://schemas.microsoft.com/office/powerpoint/2010/main" val="3982952388"/>
+      </p:ext>
+    </p:extLst>
+  </p:cSld>
+  <p:clrMapOvr>
+    <a:masterClrMapping/>
+  </p:clrMapOvr>
+</p:sld>
+</file>
+
+<file path=ppt/slides/slide4.xml><?xml version="1.0" encoding="utf-8"?>
 <p:sld xmlns:a="http://schemas.openxmlformats.org/drawingml/2006/main" xmlns:r="http://schemas.openxmlformats.org/officeDocument/2006/relationships" xmlns:p="http://schemas.openxmlformats.org/presentationml/2006/main">
   <p:cSld>
     <p:bg>
@@ -4631,7 +4946,7 @@
 </p:sld>
 </file>
 
-<file path=ppt/slides/slide4.xml><?xml version="1.0" encoding="utf-8"?>
+<file path=ppt/slides/slide5.xml><?xml version="1.0" encoding="utf-8"?>
 <p:sld xmlns:a="http://schemas.openxmlformats.org/drawingml/2006/main" xmlns:r="http://schemas.openxmlformats.org/officeDocument/2006/relationships" xmlns:p="http://schemas.openxmlformats.org/presentationml/2006/main">
   <p:cSld>
     <p:spTree>
